--- a/slides/07-sets.pptx
+++ b/slides/07-sets.pptx
@@ -225,7 +225,7 @@
           <a:p>
             <a:fld id="{3CBB8A52-8AC5-C74C-97FB-632C448F3674}" type="datetimeFigureOut">
               <a:rPr lang="en-US" smtClean="0"/>
-              <a:t>2/12/24</a:t>
+              <a:t>2/22/24</a:t>
             </a:fld>
             <a:endParaRPr lang="en-US"/>
           </a:p>
@@ -3673,7 +3673,7 @@
             <a:fld id="{5586B75A-687E-405C-8A0B-8D00578BA2C3}" type="datetimeFigureOut">
               <a:rPr lang="en-US" smtClean="0"/>
               <a:pPr/>
-              <a:t>2/12/24</a:t>
+              <a:t>2/22/24</a:t>
             </a:fld>
             <a:endParaRPr lang="en-US" dirty="0"/>
           </a:p>
@@ -3845,7 +3845,7 @@
             <a:fld id="{5586B75A-687E-405C-8A0B-8D00578BA2C3}" type="datetimeFigureOut">
               <a:rPr lang="en-US" smtClean="0"/>
               <a:pPr/>
-              <a:t>2/12/24</a:t>
+              <a:t>2/22/24</a:t>
             </a:fld>
             <a:endParaRPr lang="en-US" dirty="0"/>
           </a:p>
@@ -4027,7 +4027,7 @@
             <a:fld id="{5586B75A-687E-405C-8A0B-8D00578BA2C3}" type="datetimeFigureOut">
               <a:rPr lang="en-US" smtClean="0"/>
               <a:pPr/>
-              <a:t>2/12/24</a:t>
+              <a:t>2/22/24</a:t>
             </a:fld>
             <a:endParaRPr lang="en-US" dirty="0"/>
           </a:p>
@@ -4199,7 +4199,7 @@
             <a:fld id="{5586B75A-687E-405C-8A0B-8D00578BA2C3}" type="datetimeFigureOut">
               <a:rPr lang="en-US" smtClean="0"/>
               <a:pPr/>
-              <a:t>2/12/24</a:t>
+              <a:t>2/22/24</a:t>
             </a:fld>
             <a:endParaRPr lang="en-US" dirty="0"/>
           </a:p>
@@ -4455,7 +4455,7 @@
             <a:fld id="{5586B75A-687E-405C-8A0B-8D00578BA2C3}" type="datetimeFigureOut">
               <a:rPr lang="en-US" smtClean="0"/>
               <a:pPr/>
-              <a:t>2/12/24</a:t>
+              <a:t>2/22/24</a:t>
             </a:fld>
             <a:endParaRPr lang="en-US" dirty="0"/>
           </a:p>
@@ -4745,7 +4745,7 @@
             <a:fld id="{5586B75A-687E-405C-8A0B-8D00578BA2C3}" type="datetimeFigureOut">
               <a:rPr lang="en-US" smtClean="0"/>
               <a:pPr/>
-              <a:t>2/12/24</a:t>
+              <a:t>2/22/24</a:t>
             </a:fld>
             <a:endParaRPr lang="en-US" dirty="0"/>
           </a:p>
@@ -5189,7 +5189,7 @@
             <a:fld id="{5586B75A-687E-405C-8A0B-8D00578BA2C3}" type="datetimeFigureOut">
               <a:rPr lang="en-US" smtClean="0"/>
               <a:pPr/>
-              <a:t>2/12/24</a:t>
+              <a:t>2/22/24</a:t>
             </a:fld>
             <a:endParaRPr lang="en-US" dirty="0"/>
           </a:p>
@@ -5309,7 +5309,7 @@
             <a:fld id="{5586B75A-687E-405C-8A0B-8D00578BA2C3}" type="datetimeFigureOut">
               <a:rPr lang="en-US" smtClean="0"/>
               <a:pPr/>
-              <a:t>2/12/24</a:t>
+              <a:t>2/22/24</a:t>
             </a:fld>
             <a:endParaRPr lang="en-US" dirty="0"/>
           </a:p>
@@ -5406,7 +5406,7 @@
             <a:fld id="{5586B75A-687E-405C-8A0B-8D00578BA2C3}" type="datetimeFigureOut">
               <a:rPr lang="en-US" smtClean="0"/>
               <a:pPr/>
-              <a:t>2/12/24</a:t>
+              <a:t>2/22/24</a:t>
             </a:fld>
             <a:endParaRPr lang="en-US" dirty="0"/>
           </a:p>
@@ -5696,7 +5696,7 @@
             <a:fld id="{5586B75A-687E-405C-8A0B-8D00578BA2C3}" type="datetimeFigureOut">
               <a:rPr lang="en-US" smtClean="0"/>
               <a:pPr/>
-              <a:t>2/12/24</a:t>
+              <a:t>2/22/24</a:t>
             </a:fld>
             <a:endParaRPr lang="en-US" dirty="0"/>
           </a:p>
@@ -5971,7 +5971,7 @@
             <a:fld id="{5586B75A-687E-405C-8A0B-8D00578BA2C3}" type="datetimeFigureOut">
               <a:rPr lang="en-US" smtClean="0"/>
               <a:pPr/>
-              <a:t>2/12/24</a:t>
+              <a:t>2/22/24</a:t>
             </a:fld>
             <a:endParaRPr lang="en-US" dirty="0"/>
           </a:p>
@@ -6270,7 +6270,7 @@
             <a:fld id="{5586B75A-687E-405C-8A0B-8D00578BA2C3}" type="datetimeFigureOut">
               <a:rPr lang="en-US" smtClean="0"/>
               <a:pPr/>
-              <a:t>2/12/24</a:t>
+              <a:t>2/22/24</a:t>
             </a:fld>
             <a:endParaRPr lang="en-US" dirty="0"/>
           </a:p>
@@ -6784,8 +6784,13 @@
           <a:p>
             <a:r>
               <a:rPr lang="en-US" dirty="0"/>
-              <a:t>Discrete Structures– Proofs: Sets</a:t>
+              <a:t>Discrete </a:t>
             </a:r>
+            <a:r>
+              <a:rPr lang="en-US"/>
+              <a:t>Structures–Sets</a:t>
+            </a:r>
+            <a:endParaRPr lang="en-US" dirty="0"/>
           </a:p>
         </p:txBody>
       </p:sp>
@@ -6881,8 +6886,8 @@
           </a:p>
         </p:txBody>
       </p:sp>
-      <mc:AlternateContent xmlns:mc="http://schemas.openxmlformats.org/markup-compatibility/2006">
-        <mc:Choice xmlns:a14="http://schemas.microsoft.com/office/drawing/2010/main" Requires="a14">
+      <mc:AlternateContent xmlns:mc="http://schemas.openxmlformats.org/markup-compatibility/2006" xmlns:a14="http://schemas.microsoft.com/office/drawing/2010/main">
+        <mc:Choice Requires="a14">
           <p:sp>
             <p:nvSpPr>
               <p:cNvPr id="6" name="Content Placeholder 2">
@@ -7240,7 +7245,7 @@
             </p:txBody>
           </p:sp>
         </mc:Choice>
-        <mc:Fallback>
+        <mc:Fallback xmlns="">
           <p:sp>
             <p:nvSpPr>
               <p:cNvPr id="6" name="Content Placeholder 2">
@@ -7348,8 +7353,8 @@
           </a:p>
         </p:txBody>
       </p:sp>
-      <mc:AlternateContent xmlns:mc="http://schemas.openxmlformats.org/markup-compatibility/2006">
-        <mc:Choice xmlns:a14="http://schemas.microsoft.com/office/drawing/2010/main" Requires="a14">
+      <mc:AlternateContent xmlns:mc="http://schemas.openxmlformats.org/markup-compatibility/2006" xmlns:a14="http://schemas.microsoft.com/office/drawing/2010/main">
+        <mc:Choice Requires="a14">
           <p:sp>
             <p:nvSpPr>
               <p:cNvPr id="6" name="Content Placeholder 2">
@@ -7707,7 +7712,7 @@
             </p:txBody>
           </p:sp>
         </mc:Choice>
-        <mc:Fallback>
+        <mc:Fallback xmlns="">
           <p:sp>
             <p:nvSpPr>
               <p:cNvPr id="6" name="Content Placeholder 2">
@@ -7751,8 +7756,8 @@
           </p:sp>
         </mc:Fallback>
       </mc:AlternateContent>
-      <mc:AlternateContent xmlns:mc="http://schemas.openxmlformats.org/markup-compatibility/2006">
-        <mc:Choice xmlns:a14="http://schemas.microsoft.com/office/drawing/2010/main" Requires="a14">
+      <mc:AlternateContent xmlns:mc="http://schemas.openxmlformats.org/markup-compatibility/2006" xmlns:a14="http://schemas.microsoft.com/office/drawing/2010/main">
+        <mc:Choice Requires="a14">
           <p:sp>
             <p:nvSpPr>
               <p:cNvPr id="3" name="Rounded Rectangle 2">
@@ -8073,7 +8078,7 @@
             </p:txBody>
           </p:sp>
         </mc:Choice>
-        <mc:Fallback>
+        <mc:Fallback xmlns="">
           <p:sp>
             <p:nvSpPr>
               <p:cNvPr id="3" name="Rounded Rectangle 2">
@@ -8182,8 +8187,8 @@
           </a:p>
         </p:txBody>
       </p:sp>
-      <mc:AlternateContent xmlns:mc="http://schemas.openxmlformats.org/markup-compatibility/2006">
-        <mc:Choice xmlns:a14="http://schemas.microsoft.com/office/drawing/2010/main" Requires="a14">
+      <mc:AlternateContent xmlns:mc="http://schemas.openxmlformats.org/markup-compatibility/2006" xmlns:a14="http://schemas.microsoft.com/office/drawing/2010/main">
+        <mc:Choice Requires="a14">
           <p:sp>
             <p:nvSpPr>
               <p:cNvPr id="6" name="Content Placeholder 2">
@@ -8541,7 +8546,7 @@
             </p:txBody>
           </p:sp>
         </mc:Choice>
-        <mc:Fallback>
+        <mc:Fallback xmlns="">
           <p:sp>
             <p:nvSpPr>
               <p:cNvPr id="6" name="Content Placeholder 2">
@@ -8741,8 +8746,8 @@
           </a:p>
         </p:txBody>
       </p:sp>
-      <mc:AlternateContent xmlns:mc="http://schemas.openxmlformats.org/markup-compatibility/2006">
-        <mc:Choice xmlns:a14="http://schemas.microsoft.com/office/drawing/2010/main" Requires="a14">
+      <mc:AlternateContent xmlns:mc="http://schemas.openxmlformats.org/markup-compatibility/2006" xmlns:a14="http://schemas.microsoft.com/office/drawing/2010/main">
+        <mc:Choice Requires="a14">
           <p:sp>
             <p:nvSpPr>
               <p:cNvPr id="6" name="Content Placeholder 2">
@@ -9100,7 +9105,7 @@
             </p:txBody>
           </p:sp>
         </mc:Choice>
-        <mc:Fallback>
+        <mc:Fallback xmlns="">
           <p:sp>
             <p:nvSpPr>
               <p:cNvPr id="6" name="Content Placeholder 2">
@@ -9208,8 +9213,8 @@
           </a:p>
         </p:txBody>
       </p:sp>
-      <mc:AlternateContent xmlns:mc="http://schemas.openxmlformats.org/markup-compatibility/2006">
-        <mc:Choice xmlns:a14="http://schemas.microsoft.com/office/drawing/2010/main" Requires="a14">
+      <mc:AlternateContent xmlns:mc="http://schemas.openxmlformats.org/markup-compatibility/2006" xmlns:a14="http://schemas.microsoft.com/office/drawing/2010/main">
+        <mc:Choice Requires="a14">
           <p:sp>
             <p:nvSpPr>
               <p:cNvPr id="6" name="Content Placeholder 2">
@@ -9822,7 +9827,7 @@
             </p:txBody>
           </p:sp>
         </mc:Choice>
-        <mc:Fallback>
+        <mc:Fallback xmlns="">
           <p:sp>
             <p:nvSpPr>
               <p:cNvPr id="6" name="Content Placeholder 2">
@@ -9983,8 +9988,8 @@
           </a:p>
         </p:txBody>
       </p:sp>
-      <mc:AlternateContent xmlns:mc="http://schemas.openxmlformats.org/markup-compatibility/2006">
-        <mc:Choice xmlns:a14="http://schemas.microsoft.com/office/drawing/2010/main" Requires="a14">
+      <mc:AlternateContent xmlns:mc="http://schemas.openxmlformats.org/markup-compatibility/2006" xmlns:a14="http://schemas.microsoft.com/office/drawing/2010/main">
+        <mc:Choice Requires="a14">
           <p:sp>
             <p:nvSpPr>
               <p:cNvPr id="6" name="Content Placeholder 2">
@@ -10597,7 +10602,7 @@
             </p:txBody>
           </p:sp>
         </mc:Choice>
-        <mc:Fallback>
+        <mc:Fallback xmlns="">
           <p:sp>
             <p:nvSpPr>
               <p:cNvPr id="6" name="Content Placeholder 2">
@@ -10694,8 +10699,8 @@
           </a:p>
         </p:txBody>
       </p:sp>
-      <mc:AlternateContent xmlns:mc="http://schemas.openxmlformats.org/markup-compatibility/2006">
-        <mc:Choice xmlns:a14="http://schemas.microsoft.com/office/drawing/2010/main" Requires="a14">
+      <mc:AlternateContent xmlns:mc="http://schemas.openxmlformats.org/markup-compatibility/2006" xmlns:a14="http://schemas.microsoft.com/office/drawing/2010/main">
+        <mc:Choice Requires="a14">
           <p:sp>
             <p:nvSpPr>
               <p:cNvPr id="4" name="Rounded Rectangle 3">
@@ -10938,7 +10943,7 @@
             </p:txBody>
           </p:sp>
         </mc:Choice>
-        <mc:Fallback>
+        <mc:Fallback xmlns="">
           <p:sp>
             <p:nvSpPr>
               <p:cNvPr id="4" name="Rounded Rectangle 3">
@@ -11047,8 +11052,8 @@
           </a:p>
         </p:txBody>
       </p:sp>
-      <mc:AlternateContent xmlns:mc="http://schemas.openxmlformats.org/markup-compatibility/2006">
-        <mc:Choice xmlns:a14="http://schemas.microsoft.com/office/drawing/2010/main" Requires="a14">
+      <mc:AlternateContent xmlns:mc="http://schemas.openxmlformats.org/markup-compatibility/2006" xmlns:a14="http://schemas.microsoft.com/office/drawing/2010/main">
+        <mc:Choice Requires="a14">
           <p:sp>
             <p:nvSpPr>
               <p:cNvPr id="6" name="Content Placeholder 2">
@@ -11351,7 +11356,7 @@
             </p:txBody>
           </p:sp>
         </mc:Choice>
-        <mc:Fallback>
+        <mc:Fallback xmlns="">
           <p:sp>
             <p:nvSpPr>
               <p:cNvPr id="6" name="Content Placeholder 2">
@@ -11395,8 +11400,8 @@
           </p:sp>
         </mc:Fallback>
       </mc:AlternateContent>
-      <mc:AlternateContent xmlns:mc="http://schemas.openxmlformats.org/markup-compatibility/2006">
-        <mc:Choice xmlns:a14="http://schemas.microsoft.com/office/drawing/2010/main" Requires="a14">
+      <mc:AlternateContent xmlns:mc="http://schemas.openxmlformats.org/markup-compatibility/2006" xmlns:a14="http://schemas.microsoft.com/office/drawing/2010/main">
+        <mc:Choice Requires="a14">
           <p:sp>
             <p:nvSpPr>
               <p:cNvPr id="5" name="Rounded Rectangle 4">
@@ -11648,7 +11653,7 @@
             </p:txBody>
           </p:sp>
         </mc:Choice>
-        <mc:Fallback>
+        <mc:Fallback xmlns="">
           <p:sp>
             <p:nvSpPr>
               <p:cNvPr id="5" name="Rounded Rectangle 4">
@@ -11757,8 +11762,8 @@
           </a:p>
         </p:txBody>
       </p:sp>
-      <mc:AlternateContent xmlns:mc="http://schemas.openxmlformats.org/markup-compatibility/2006">
-        <mc:Choice xmlns:a14="http://schemas.microsoft.com/office/drawing/2010/main" Requires="a14">
+      <mc:AlternateContent xmlns:mc="http://schemas.openxmlformats.org/markup-compatibility/2006" xmlns:a14="http://schemas.microsoft.com/office/drawing/2010/main">
+        <mc:Choice Requires="a14">
           <p:sp>
             <p:nvSpPr>
               <p:cNvPr id="6" name="Content Placeholder 2">
@@ -12230,7 +12235,7 @@
             </p:txBody>
           </p:sp>
         </mc:Choice>
-        <mc:Fallback>
+        <mc:Fallback xmlns="">
           <p:sp>
             <p:nvSpPr>
               <p:cNvPr id="6" name="Content Placeholder 2">
@@ -12338,8 +12343,8 @@
           </a:p>
         </p:txBody>
       </p:sp>
-      <mc:AlternateContent xmlns:mc="http://schemas.openxmlformats.org/markup-compatibility/2006">
-        <mc:Choice xmlns:a14="http://schemas.microsoft.com/office/drawing/2010/main" Requires="a14">
+      <mc:AlternateContent xmlns:mc="http://schemas.openxmlformats.org/markup-compatibility/2006" xmlns:a14="http://schemas.microsoft.com/office/drawing/2010/main">
+        <mc:Choice Requires="a14">
           <p:sp>
             <p:nvSpPr>
               <p:cNvPr id="6" name="Content Placeholder 2">
@@ -12482,7 +12487,7 @@
             </p:txBody>
           </p:sp>
         </mc:Choice>
-        <mc:Fallback>
+        <mc:Fallback xmlns="">
           <p:sp>
             <p:nvSpPr>
               <p:cNvPr id="6" name="Content Placeholder 2">
@@ -12635,8 +12640,8 @@
           </a:p>
         </p:txBody>
       </p:sp>
-      <mc:AlternateContent xmlns:mc="http://schemas.openxmlformats.org/markup-compatibility/2006">
-        <mc:Choice xmlns:a14="http://schemas.microsoft.com/office/drawing/2010/main" Requires="a14">
+      <mc:AlternateContent xmlns:mc="http://schemas.openxmlformats.org/markup-compatibility/2006" xmlns:a14="http://schemas.microsoft.com/office/drawing/2010/main">
+        <mc:Choice Requires="a14">
           <p:sp>
             <p:nvSpPr>
               <p:cNvPr id="5" name="TextBox 4">
@@ -12665,6 +12670,7 @@
               </a:bodyPr>
               <a:lstStyle/>
               <a:p>
+                <a:pPr/>
                 <a14:m>
                   <m:oMathPara xmlns:m="http://schemas.openxmlformats.org/officeDocument/2006/math">
                     <m:oMathParaPr>
@@ -12685,7 +12691,7 @@
             </p:txBody>
           </p:sp>
         </mc:Choice>
-        <mc:Fallback>
+        <mc:Fallback xmlns="">
           <p:sp>
             <p:nvSpPr>
               <p:cNvPr id="5" name="TextBox 4">
@@ -12730,8 +12736,8 @@
           </p:sp>
         </mc:Fallback>
       </mc:AlternateContent>
-      <mc:AlternateContent xmlns:mc="http://schemas.openxmlformats.org/markup-compatibility/2006">
-        <mc:Choice xmlns:a14="http://schemas.microsoft.com/office/drawing/2010/main" Requires="a14">
+      <mc:AlternateContent xmlns:mc="http://schemas.openxmlformats.org/markup-compatibility/2006" xmlns:a14="http://schemas.microsoft.com/office/drawing/2010/main">
+        <mc:Choice Requires="a14">
           <p:sp>
             <p:nvSpPr>
               <p:cNvPr id="7" name="TextBox 6">
@@ -12760,6 +12766,7 @@
               </a:bodyPr>
               <a:lstStyle/>
               <a:p>
+                <a:pPr/>
                 <a14:m>
                   <m:oMathPara xmlns:m="http://schemas.openxmlformats.org/officeDocument/2006/math">
                     <m:oMathParaPr>
@@ -12780,7 +12787,7 @@
             </p:txBody>
           </p:sp>
         </mc:Choice>
-        <mc:Fallback>
+        <mc:Fallback xmlns="">
           <p:sp>
             <p:nvSpPr>
               <p:cNvPr id="7" name="TextBox 6">
@@ -12889,8 +12896,8 @@
           </a:p>
         </p:txBody>
       </p:sp>
-      <mc:AlternateContent xmlns:mc="http://schemas.openxmlformats.org/markup-compatibility/2006">
-        <mc:Choice xmlns:a14="http://schemas.microsoft.com/office/drawing/2010/main" Requires="a14">
+      <mc:AlternateContent xmlns:mc="http://schemas.openxmlformats.org/markup-compatibility/2006" xmlns:a14="http://schemas.microsoft.com/office/drawing/2010/main">
+        <mc:Choice Requires="a14">
           <p:sp>
             <p:nvSpPr>
               <p:cNvPr id="6" name="Content Placeholder 2">
@@ -13129,7 +13136,7 @@
             </p:txBody>
           </p:sp>
         </mc:Choice>
-        <mc:Fallback>
+        <mc:Fallback xmlns="">
           <p:sp>
             <p:nvSpPr>
               <p:cNvPr id="6" name="Content Placeholder 2">
@@ -13284,8 +13291,8 @@
           </a:p>
         </p:txBody>
       </p:sp>
-      <mc:AlternateContent xmlns:mc="http://schemas.openxmlformats.org/markup-compatibility/2006">
-        <mc:Choice xmlns:a14="http://schemas.microsoft.com/office/drawing/2010/main" Requires="a14">
+      <mc:AlternateContent xmlns:mc="http://schemas.openxmlformats.org/markup-compatibility/2006" xmlns:a14="http://schemas.microsoft.com/office/drawing/2010/main">
+        <mc:Choice Requires="a14">
           <p:sp>
             <p:nvSpPr>
               <p:cNvPr id="5" name="TextBox 4">
@@ -13314,6 +13321,7 @@
               </a:bodyPr>
               <a:lstStyle/>
               <a:p>
+                <a:pPr/>
                 <a14:m>
                   <m:oMathPara xmlns:m="http://schemas.openxmlformats.org/officeDocument/2006/math">
                     <m:oMathParaPr>
@@ -13334,7 +13342,7 @@
             </p:txBody>
           </p:sp>
         </mc:Choice>
-        <mc:Fallback>
+        <mc:Fallback xmlns="">
           <p:sp>
             <p:nvSpPr>
               <p:cNvPr id="5" name="TextBox 4">
@@ -13379,8 +13387,8 @@
           </p:sp>
         </mc:Fallback>
       </mc:AlternateContent>
-      <mc:AlternateContent xmlns:mc="http://schemas.openxmlformats.org/markup-compatibility/2006">
-        <mc:Choice xmlns:a14="http://schemas.microsoft.com/office/drawing/2010/main" Requires="a14">
+      <mc:AlternateContent xmlns:mc="http://schemas.openxmlformats.org/markup-compatibility/2006" xmlns:a14="http://schemas.microsoft.com/office/drawing/2010/main">
+        <mc:Choice Requires="a14">
           <p:sp>
             <p:nvSpPr>
               <p:cNvPr id="7" name="TextBox 6">
@@ -13409,6 +13417,7 @@
               </a:bodyPr>
               <a:lstStyle/>
               <a:p>
+                <a:pPr/>
                 <a14:m>
                   <m:oMathPara xmlns:m="http://schemas.openxmlformats.org/officeDocument/2006/math">
                     <m:oMathParaPr>
@@ -13429,7 +13438,7 @@
             </p:txBody>
           </p:sp>
         </mc:Choice>
-        <mc:Fallback>
+        <mc:Fallback xmlns="">
           <p:sp>
             <p:nvSpPr>
               <p:cNvPr id="7" name="TextBox 6">
@@ -13647,8 +13656,8 @@
           </a:p>
         </p:txBody>
       </p:sp>
-      <mc:AlternateContent xmlns:mc="http://schemas.openxmlformats.org/markup-compatibility/2006">
-        <mc:Choice xmlns:a14="http://schemas.microsoft.com/office/drawing/2010/main" Requires="a14">
+      <mc:AlternateContent xmlns:mc="http://schemas.openxmlformats.org/markup-compatibility/2006" xmlns:a14="http://schemas.microsoft.com/office/drawing/2010/main">
+        <mc:Choice Requires="a14">
           <p:sp>
             <p:nvSpPr>
               <p:cNvPr id="6" name="Content Placeholder 2">
@@ -13887,7 +13896,7 @@
             </p:txBody>
           </p:sp>
         </mc:Choice>
-        <mc:Fallback>
+        <mc:Fallback xmlns="">
           <p:sp>
             <p:nvSpPr>
               <p:cNvPr id="6" name="Content Placeholder 2">
@@ -14042,8 +14051,8 @@
           </a:p>
         </p:txBody>
       </p:sp>
-      <mc:AlternateContent xmlns:mc="http://schemas.openxmlformats.org/markup-compatibility/2006">
-        <mc:Choice xmlns:a14="http://schemas.microsoft.com/office/drawing/2010/main" Requires="a14">
+      <mc:AlternateContent xmlns:mc="http://schemas.openxmlformats.org/markup-compatibility/2006" xmlns:a14="http://schemas.microsoft.com/office/drawing/2010/main">
+        <mc:Choice Requires="a14">
           <p:sp>
             <p:nvSpPr>
               <p:cNvPr id="5" name="TextBox 4">
@@ -14072,6 +14081,7 @@
               </a:bodyPr>
               <a:lstStyle/>
               <a:p>
+                <a:pPr/>
                 <a14:m>
                   <m:oMathPara xmlns:m="http://schemas.openxmlformats.org/officeDocument/2006/math">
                     <m:oMathParaPr>
@@ -14092,7 +14102,7 @@
             </p:txBody>
           </p:sp>
         </mc:Choice>
-        <mc:Fallback>
+        <mc:Fallback xmlns="">
           <p:sp>
             <p:nvSpPr>
               <p:cNvPr id="5" name="TextBox 4">
@@ -14137,8 +14147,8 @@
           </p:sp>
         </mc:Fallback>
       </mc:AlternateContent>
-      <mc:AlternateContent xmlns:mc="http://schemas.openxmlformats.org/markup-compatibility/2006">
-        <mc:Choice xmlns:a14="http://schemas.microsoft.com/office/drawing/2010/main" Requires="a14">
+      <mc:AlternateContent xmlns:mc="http://schemas.openxmlformats.org/markup-compatibility/2006" xmlns:a14="http://schemas.microsoft.com/office/drawing/2010/main">
+        <mc:Choice Requires="a14">
           <p:sp>
             <p:nvSpPr>
               <p:cNvPr id="7" name="TextBox 6">
@@ -14167,6 +14177,7 @@
               </a:bodyPr>
               <a:lstStyle/>
               <a:p>
+                <a:pPr/>
                 <a14:m>
                   <m:oMathPara xmlns:m="http://schemas.openxmlformats.org/officeDocument/2006/math">
                     <m:oMathParaPr>
@@ -14187,7 +14198,7 @@
             </p:txBody>
           </p:sp>
         </mc:Choice>
-        <mc:Fallback>
+        <mc:Fallback xmlns="">
           <p:sp>
             <p:nvSpPr>
               <p:cNvPr id="7" name="TextBox 6">
@@ -14232,8 +14243,8 @@
           </p:sp>
         </mc:Fallback>
       </mc:AlternateContent>
-      <mc:AlternateContent xmlns:mc="http://schemas.openxmlformats.org/markup-compatibility/2006">
-        <mc:Choice xmlns:a14="http://schemas.microsoft.com/office/drawing/2010/main" Requires="a14">
+      <mc:AlternateContent xmlns:mc="http://schemas.openxmlformats.org/markup-compatibility/2006" xmlns:a14="http://schemas.microsoft.com/office/drawing/2010/main">
+        <mc:Choice Requires="a14">
           <p:sp>
             <p:nvSpPr>
               <p:cNvPr id="8" name="Rounded Rectangle 7">
@@ -14465,7 +14476,7 @@
             </p:txBody>
           </p:sp>
         </mc:Choice>
-        <mc:Fallback>
+        <mc:Fallback xmlns="">
           <p:sp>
             <p:nvSpPr>
               <p:cNvPr id="8" name="Rounded Rectangle 7">
@@ -14574,8 +14585,8 @@
           </a:p>
         </p:txBody>
       </p:sp>
-      <mc:AlternateContent xmlns:mc="http://schemas.openxmlformats.org/markup-compatibility/2006">
-        <mc:Choice xmlns:a14="http://schemas.microsoft.com/office/drawing/2010/main" Requires="a14">
+      <mc:AlternateContent xmlns:mc="http://schemas.openxmlformats.org/markup-compatibility/2006" xmlns:a14="http://schemas.microsoft.com/office/drawing/2010/main">
+        <mc:Choice Requires="a14">
           <p:sp>
             <p:nvSpPr>
               <p:cNvPr id="6" name="Content Placeholder 2">
@@ -14884,7 +14895,7 @@
             </p:txBody>
           </p:sp>
         </mc:Choice>
-        <mc:Fallback>
+        <mc:Fallback xmlns="">
           <p:sp>
             <p:nvSpPr>
               <p:cNvPr id="6" name="Content Placeholder 2">
@@ -14980,8 +14991,8 @@
           </a:p>
         </p:txBody>
       </p:sp>
-      <mc:AlternateContent xmlns:mc="http://schemas.openxmlformats.org/markup-compatibility/2006">
-        <mc:Choice xmlns:a14="http://schemas.microsoft.com/office/drawing/2010/main" Requires="a14">
+      <mc:AlternateContent xmlns:mc="http://schemas.openxmlformats.org/markup-compatibility/2006" xmlns:a14="http://schemas.microsoft.com/office/drawing/2010/main">
+        <mc:Choice Requires="a14">
           <p:sp>
             <p:nvSpPr>
               <p:cNvPr id="5" name="TextBox 4">
@@ -15010,6 +15021,7 @@
               </a:bodyPr>
               <a:lstStyle/>
               <a:p>
+                <a:pPr/>
                 <a14:m>
                   <m:oMathPara xmlns:m="http://schemas.openxmlformats.org/officeDocument/2006/math">
                     <m:oMathParaPr>
@@ -15030,7 +15042,7 @@
             </p:txBody>
           </p:sp>
         </mc:Choice>
-        <mc:Fallback>
+        <mc:Fallback xmlns="">
           <p:sp>
             <p:nvSpPr>
               <p:cNvPr id="5" name="TextBox 4">
@@ -15132,8 +15144,8 @@
           </a:p>
         </p:txBody>
       </p:sp>
-      <mc:AlternateContent xmlns:mc="http://schemas.openxmlformats.org/markup-compatibility/2006">
-        <mc:Choice xmlns:a14="http://schemas.microsoft.com/office/drawing/2010/main" Requires="a14">
+      <mc:AlternateContent xmlns:mc="http://schemas.openxmlformats.org/markup-compatibility/2006" xmlns:a14="http://schemas.microsoft.com/office/drawing/2010/main">
+        <mc:Choice Requires="a14">
           <p:sp>
             <p:nvSpPr>
               <p:cNvPr id="9" name="TextBox 8">
@@ -15162,6 +15174,7 @@
               </a:bodyPr>
               <a:lstStyle/>
               <a:p>
+                <a:pPr/>
                 <a14:m>
                   <m:oMathPara xmlns:m="http://schemas.openxmlformats.org/officeDocument/2006/math">
                     <m:oMathParaPr>
@@ -15182,7 +15195,7 @@
             </p:txBody>
           </p:sp>
         </mc:Choice>
-        <mc:Fallback>
+        <mc:Fallback xmlns="">
           <p:sp>
             <p:nvSpPr>
               <p:cNvPr id="9" name="TextBox 8">
@@ -15284,8 +15297,8 @@
           </a:p>
         </p:txBody>
       </p:sp>
-      <mc:AlternateContent xmlns:mc="http://schemas.openxmlformats.org/markup-compatibility/2006">
-        <mc:Choice xmlns:a14="http://schemas.microsoft.com/office/drawing/2010/main" Requires="a14">
+      <mc:AlternateContent xmlns:mc="http://schemas.openxmlformats.org/markup-compatibility/2006" xmlns:a14="http://schemas.microsoft.com/office/drawing/2010/main">
+        <mc:Choice Requires="a14">
           <p:sp>
             <p:nvSpPr>
               <p:cNvPr id="11" name="TextBox 10">
@@ -15314,6 +15327,7 @@
               </a:bodyPr>
               <a:lstStyle/>
               <a:p>
+                <a:pPr/>
                 <a14:m>
                   <m:oMathPara xmlns:m="http://schemas.openxmlformats.org/officeDocument/2006/math">
                     <m:oMathParaPr>
@@ -15334,7 +15348,7 @@
             </p:txBody>
           </p:sp>
         </mc:Choice>
-        <mc:Fallback>
+        <mc:Fallback xmlns="">
           <p:sp>
             <p:nvSpPr>
               <p:cNvPr id="11" name="TextBox 10">
@@ -15443,8 +15457,8 @@
           </a:p>
         </p:txBody>
       </p:sp>
-      <mc:AlternateContent xmlns:mc="http://schemas.openxmlformats.org/markup-compatibility/2006">
-        <mc:Choice xmlns:a14="http://schemas.microsoft.com/office/drawing/2010/main" Requires="a14">
+      <mc:AlternateContent xmlns:mc="http://schemas.openxmlformats.org/markup-compatibility/2006" xmlns:a14="http://schemas.microsoft.com/office/drawing/2010/main">
+        <mc:Choice Requires="a14">
           <p:sp>
             <p:nvSpPr>
               <p:cNvPr id="6" name="Content Placeholder 2">
@@ -15753,7 +15767,7 @@
             </p:txBody>
           </p:sp>
         </mc:Choice>
-        <mc:Fallback>
+        <mc:Fallback xmlns="">
           <p:sp>
             <p:nvSpPr>
               <p:cNvPr id="6" name="Content Placeholder 2">
@@ -15849,8 +15863,8 @@
           </a:p>
         </p:txBody>
       </p:sp>
-      <mc:AlternateContent xmlns:mc="http://schemas.openxmlformats.org/markup-compatibility/2006">
-        <mc:Choice xmlns:a14="http://schemas.microsoft.com/office/drawing/2010/main" Requires="a14">
+      <mc:AlternateContent xmlns:mc="http://schemas.openxmlformats.org/markup-compatibility/2006" xmlns:a14="http://schemas.microsoft.com/office/drawing/2010/main">
+        <mc:Choice Requires="a14">
           <p:sp>
             <p:nvSpPr>
               <p:cNvPr id="5" name="TextBox 4">
@@ -15879,6 +15893,7 @@
               </a:bodyPr>
               <a:lstStyle/>
               <a:p>
+                <a:pPr/>
                 <a14:m>
                   <m:oMathPara xmlns:m="http://schemas.openxmlformats.org/officeDocument/2006/math">
                     <m:oMathParaPr>
@@ -15899,7 +15914,7 @@
             </p:txBody>
           </p:sp>
         </mc:Choice>
-        <mc:Fallback>
+        <mc:Fallback xmlns="">
           <p:sp>
             <p:nvSpPr>
               <p:cNvPr id="5" name="TextBox 4">
@@ -16001,8 +16016,8 @@
           </a:p>
         </p:txBody>
       </p:sp>
-      <mc:AlternateContent xmlns:mc="http://schemas.openxmlformats.org/markup-compatibility/2006">
-        <mc:Choice xmlns:a14="http://schemas.microsoft.com/office/drawing/2010/main" Requires="a14">
+      <mc:AlternateContent xmlns:mc="http://schemas.openxmlformats.org/markup-compatibility/2006" xmlns:a14="http://schemas.microsoft.com/office/drawing/2010/main">
+        <mc:Choice Requires="a14">
           <p:sp>
             <p:nvSpPr>
               <p:cNvPr id="9" name="TextBox 8">
@@ -16031,6 +16046,7 @@
               </a:bodyPr>
               <a:lstStyle/>
               <a:p>
+                <a:pPr/>
                 <a14:m>
                   <m:oMathPara xmlns:m="http://schemas.openxmlformats.org/officeDocument/2006/math">
                     <m:oMathParaPr>
@@ -16051,7 +16067,7 @@
             </p:txBody>
           </p:sp>
         </mc:Choice>
-        <mc:Fallback>
+        <mc:Fallback xmlns="">
           <p:sp>
             <p:nvSpPr>
               <p:cNvPr id="9" name="TextBox 8">
@@ -16153,8 +16169,8 @@
           </a:p>
         </p:txBody>
       </p:sp>
-      <mc:AlternateContent xmlns:mc="http://schemas.openxmlformats.org/markup-compatibility/2006">
-        <mc:Choice xmlns:a14="http://schemas.microsoft.com/office/drawing/2010/main" Requires="a14">
+      <mc:AlternateContent xmlns:mc="http://schemas.openxmlformats.org/markup-compatibility/2006" xmlns:a14="http://schemas.microsoft.com/office/drawing/2010/main">
+        <mc:Choice Requires="a14">
           <p:sp>
             <p:nvSpPr>
               <p:cNvPr id="11" name="TextBox 10">
@@ -16183,6 +16199,7 @@
               </a:bodyPr>
               <a:lstStyle/>
               <a:p>
+                <a:pPr/>
                 <a14:m>
                   <m:oMathPara xmlns:m="http://schemas.openxmlformats.org/officeDocument/2006/math">
                     <m:oMathParaPr>
@@ -16203,7 +16220,7 @@
             </p:txBody>
           </p:sp>
         </mc:Choice>
-        <mc:Fallback>
+        <mc:Fallback xmlns="">
           <p:sp>
             <p:nvSpPr>
               <p:cNvPr id="11" name="TextBox 10">
@@ -16248,8 +16265,8 @@
           </p:sp>
         </mc:Fallback>
       </mc:AlternateContent>
-      <mc:AlternateContent xmlns:mc="http://schemas.openxmlformats.org/markup-compatibility/2006">
-        <mc:Choice xmlns:a14="http://schemas.microsoft.com/office/drawing/2010/main" Requires="a14">
+      <mc:AlternateContent xmlns:mc="http://schemas.openxmlformats.org/markup-compatibility/2006" xmlns:a14="http://schemas.microsoft.com/office/drawing/2010/main">
+        <mc:Choice Requires="a14">
           <p:sp>
             <p:nvSpPr>
               <p:cNvPr id="4" name="Rounded Rectangle 3">
@@ -16627,7 +16644,7 @@
             </p:txBody>
           </p:sp>
         </mc:Choice>
-        <mc:Fallback>
+        <mc:Fallback xmlns="">
           <p:sp>
             <p:nvSpPr>
               <p:cNvPr id="4" name="Rounded Rectangle 3">
@@ -16736,8 +16753,8 @@
           </a:p>
         </p:txBody>
       </p:sp>
-      <mc:AlternateContent xmlns:mc="http://schemas.openxmlformats.org/markup-compatibility/2006">
-        <mc:Choice xmlns:a14="http://schemas.microsoft.com/office/drawing/2010/main" Requires="a14">
+      <mc:AlternateContent xmlns:mc="http://schemas.openxmlformats.org/markup-compatibility/2006" xmlns:a14="http://schemas.microsoft.com/office/drawing/2010/main">
+        <mc:Choice Requires="a14">
           <p:sp>
             <p:nvSpPr>
               <p:cNvPr id="6" name="Content Placeholder 2">
@@ -17043,7 +17060,7 @@
             </p:txBody>
           </p:sp>
         </mc:Choice>
-        <mc:Fallback>
+        <mc:Fallback xmlns="">
           <p:sp>
             <p:nvSpPr>
               <p:cNvPr id="6" name="Content Placeholder 2">
@@ -17139,8 +17156,8 @@
           </a:p>
         </p:txBody>
       </p:sp>
-      <mc:AlternateContent xmlns:mc="http://schemas.openxmlformats.org/markup-compatibility/2006">
-        <mc:Choice xmlns:a14="http://schemas.microsoft.com/office/drawing/2010/main" Requires="a14">
+      <mc:AlternateContent xmlns:mc="http://schemas.openxmlformats.org/markup-compatibility/2006" xmlns:a14="http://schemas.microsoft.com/office/drawing/2010/main">
+        <mc:Choice Requires="a14">
           <p:sp>
             <p:nvSpPr>
               <p:cNvPr id="5" name="TextBox 4">
@@ -17169,6 +17186,7 @@
               </a:bodyPr>
               <a:lstStyle/>
               <a:p>
+                <a:pPr/>
                 <a14:m>
                   <m:oMathPara xmlns:m="http://schemas.openxmlformats.org/officeDocument/2006/math">
                     <m:oMathParaPr>
@@ -17189,7 +17207,7 @@
             </p:txBody>
           </p:sp>
         </mc:Choice>
-        <mc:Fallback>
+        <mc:Fallback xmlns="">
           <p:sp>
             <p:nvSpPr>
               <p:cNvPr id="5" name="TextBox 4">
@@ -17286,8 +17304,8 @@
           </a:p>
         </p:txBody>
       </p:sp>
-      <mc:AlternateContent xmlns:mc="http://schemas.openxmlformats.org/markup-compatibility/2006">
-        <mc:Choice xmlns:a14="http://schemas.microsoft.com/office/drawing/2010/main" Requires="a14">
+      <mc:AlternateContent xmlns:mc="http://schemas.openxmlformats.org/markup-compatibility/2006" xmlns:a14="http://schemas.microsoft.com/office/drawing/2010/main">
+        <mc:Choice Requires="a14">
           <p:sp>
             <p:nvSpPr>
               <p:cNvPr id="9" name="TextBox 8">
@@ -17316,6 +17334,7 @@
               </a:bodyPr>
               <a:lstStyle/>
               <a:p>
+                <a:pPr/>
                 <a14:m>
                   <m:oMathPara xmlns:m="http://schemas.openxmlformats.org/officeDocument/2006/math">
                     <m:oMathParaPr>
@@ -17336,7 +17355,7 @@
             </p:txBody>
           </p:sp>
         </mc:Choice>
-        <mc:Fallback>
+        <mc:Fallback xmlns="">
           <p:sp>
             <p:nvSpPr>
               <p:cNvPr id="9" name="TextBox 8">
@@ -17433,8 +17452,8 @@
           </a:p>
         </p:txBody>
       </p:sp>
-      <mc:AlternateContent xmlns:mc="http://schemas.openxmlformats.org/markup-compatibility/2006">
-        <mc:Choice xmlns:a14="http://schemas.microsoft.com/office/drawing/2010/main" Requires="a14">
+      <mc:AlternateContent xmlns:mc="http://schemas.openxmlformats.org/markup-compatibility/2006" xmlns:a14="http://schemas.microsoft.com/office/drawing/2010/main">
+        <mc:Choice Requires="a14">
           <p:sp>
             <p:nvSpPr>
               <p:cNvPr id="11" name="TextBox 10">
@@ -17463,6 +17482,7 @@
               </a:bodyPr>
               <a:lstStyle/>
               <a:p>
+                <a:pPr/>
                 <a14:m>
                   <m:oMathPara xmlns:m="http://schemas.openxmlformats.org/officeDocument/2006/math">
                     <m:oMathParaPr>
@@ -17483,7 +17503,7 @@
             </p:txBody>
           </p:sp>
         </mc:Choice>
-        <mc:Fallback>
+        <mc:Fallback xmlns="">
           <p:sp>
             <p:nvSpPr>
               <p:cNvPr id="11" name="TextBox 10">
@@ -17708,8 +17728,8 @@
           </a:p>
         </p:txBody>
       </p:sp>
-      <mc:AlternateContent xmlns:mc="http://schemas.openxmlformats.org/markup-compatibility/2006">
-        <mc:Choice xmlns:a14="http://schemas.microsoft.com/office/drawing/2010/main" Requires="a14">
+      <mc:AlternateContent xmlns:mc="http://schemas.openxmlformats.org/markup-compatibility/2006" xmlns:a14="http://schemas.microsoft.com/office/drawing/2010/main">
+        <mc:Choice Requires="a14">
           <p:sp>
             <p:nvSpPr>
               <p:cNvPr id="6" name="Content Placeholder 2">
@@ -18015,7 +18035,7 @@
             </p:txBody>
           </p:sp>
         </mc:Choice>
-        <mc:Fallback>
+        <mc:Fallback xmlns="">
           <p:sp>
             <p:nvSpPr>
               <p:cNvPr id="6" name="Content Placeholder 2">
@@ -18111,8 +18131,8 @@
           </a:p>
         </p:txBody>
       </p:sp>
-      <mc:AlternateContent xmlns:mc="http://schemas.openxmlformats.org/markup-compatibility/2006">
-        <mc:Choice xmlns:a14="http://schemas.microsoft.com/office/drawing/2010/main" Requires="a14">
+      <mc:AlternateContent xmlns:mc="http://schemas.openxmlformats.org/markup-compatibility/2006" xmlns:a14="http://schemas.microsoft.com/office/drawing/2010/main">
+        <mc:Choice Requires="a14">
           <p:sp>
             <p:nvSpPr>
               <p:cNvPr id="5" name="TextBox 4">
@@ -18141,6 +18161,7 @@
               </a:bodyPr>
               <a:lstStyle/>
               <a:p>
+                <a:pPr/>
                 <a14:m>
                   <m:oMathPara xmlns:m="http://schemas.openxmlformats.org/officeDocument/2006/math">
                     <m:oMathParaPr>
@@ -18161,7 +18182,7 @@
             </p:txBody>
           </p:sp>
         </mc:Choice>
-        <mc:Fallback>
+        <mc:Fallback xmlns="">
           <p:sp>
             <p:nvSpPr>
               <p:cNvPr id="5" name="TextBox 4">
@@ -18258,8 +18279,8 @@
           </a:p>
         </p:txBody>
       </p:sp>
-      <mc:AlternateContent xmlns:mc="http://schemas.openxmlformats.org/markup-compatibility/2006">
-        <mc:Choice xmlns:a14="http://schemas.microsoft.com/office/drawing/2010/main" Requires="a14">
+      <mc:AlternateContent xmlns:mc="http://schemas.openxmlformats.org/markup-compatibility/2006" xmlns:a14="http://schemas.microsoft.com/office/drawing/2010/main">
+        <mc:Choice Requires="a14">
           <p:sp>
             <p:nvSpPr>
               <p:cNvPr id="9" name="TextBox 8">
@@ -18288,6 +18309,7 @@
               </a:bodyPr>
               <a:lstStyle/>
               <a:p>
+                <a:pPr/>
                 <a14:m>
                   <m:oMathPara xmlns:m="http://schemas.openxmlformats.org/officeDocument/2006/math">
                     <m:oMathParaPr>
@@ -18308,7 +18330,7 @@
             </p:txBody>
           </p:sp>
         </mc:Choice>
-        <mc:Fallback>
+        <mc:Fallback xmlns="">
           <p:sp>
             <p:nvSpPr>
               <p:cNvPr id="9" name="TextBox 8">
@@ -18405,8 +18427,8 @@
           </a:p>
         </p:txBody>
       </p:sp>
-      <mc:AlternateContent xmlns:mc="http://schemas.openxmlformats.org/markup-compatibility/2006">
-        <mc:Choice xmlns:a14="http://schemas.microsoft.com/office/drawing/2010/main" Requires="a14">
+      <mc:AlternateContent xmlns:mc="http://schemas.openxmlformats.org/markup-compatibility/2006" xmlns:a14="http://schemas.microsoft.com/office/drawing/2010/main">
+        <mc:Choice Requires="a14">
           <p:sp>
             <p:nvSpPr>
               <p:cNvPr id="11" name="TextBox 10">
@@ -18435,6 +18457,7 @@
               </a:bodyPr>
               <a:lstStyle/>
               <a:p>
+                <a:pPr/>
                 <a14:m>
                   <m:oMathPara xmlns:m="http://schemas.openxmlformats.org/officeDocument/2006/math">
                     <m:oMathParaPr>
@@ -18455,7 +18478,7 @@
             </p:txBody>
           </p:sp>
         </mc:Choice>
-        <mc:Fallback>
+        <mc:Fallback xmlns="">
           <p:sp>
             <p:nvSpPr>
               <p:cNvPr id="11" name="TextBox 10">
@@ -18616,8 +18639,8 @@
           </a:p>
         </p:txBody>
       </p:sp>
-      <mc:AlternateContent xmlns:mc="http://schemas.openxmlformats.org/markup-compatibility/2006">
-        <mc:Choice xmlns:a14="http://schemas.microsoft.com/office/drawing/2010/main" Requires="a14">
+      <mc:AlternateContent xmlns:mc="http://schemas.openxmlformats.org/markup-compatibility/2006" xmlns:a14="http://schemas.microsoft.com/office/drawing/2010/main">
+        <mc:Choice Requires="a14">
           <p:sp>
             <p:nvSpPr>
               <p:cNvPr id="4" name="Rounded Rectangle 3">
@@ -18995,7 +19018,7 @@
             </p:txBody>
           </p:sp>
         </mc:Choice>
-        <mc:Fallback>
+        <mc:Fallback xmlns="">
           <p:sp>
             <p:nvSpPr>
               <p:cNvPr id="4" name="Rounded Rectangle 3">
@@ -19104,8 +19127,8 @@
           </a:p>
         </p:txBody>
       </p:sp>
-      <mc:AlternateContent xmlns:mc="http://schemas.openxmlformats.org/markup-compatibility/2006">
-        <mc:Choice xmlns:a14="http://schemas.microsoft.com/office/drawing/2010/main" Requires="a14">
+      <mc:AlternateContent xmlns:mc="http://schemas.openxmlformats.org/markup-compatibility/2006" xmlns:a14="http://schemas.microsoft.com/office/drawing/2010/main">
+        <mc:Choice Requires="a14">
           <p:sp>
             <p:nvSpPr>
               <p:cNvPr id="6" name="Content Placeholder 2">
@@ -19411,7 +19434,7 @@
             </p:txBody>
           </p:sp>
         </mc:Choice>
-        <mc:Fallback>
+        <mc:Fallback xmlns="">
           <p:sp>
             <p:nvSpPr>
               <p:cNvPr id="6" name="Content Placeholder 2">
@@ -19507,8 +19530,8 @@
           </a:p>
         </p:txBody>
       </p:sp>
-      <mc:AlternateContent xmlns:mc="http://schemas.openxmlformats.org/markup-compatibility/2006">
-        <mc:Choice xmlns:a14="http://schemas.microsoft.com/office/drawing/2010/main" Requires="a14">
+      <mc:AlternateContent xmlns:mc="http://schemas.openxmlformats.org/markup-compatibility/2006" xmlns:a14="http://schemas.microsoft.com/office/drawing/2010/main">
+        <mc:Choice Requires="a14">
           <p:sp>
             <p:nvSpPr>
               <p:cNvPr id="5" name="TextBox 4">
@@ -19537,6 +19560,7 @@
               </a:bodyPr>
               <a:lstStyle/>
               <a:p>
+                <a:pPr/>
                 <a14:m>
                   <m:oMathPara xmlns:m="http://schemas.openxmlformats.org/officeDocument/2006/math">
                     <m:oMathParaPr>
@@ -19557,7 +19581,7 @@
             </p:txBody>
           </p:sp>
         </mc:Choice>
-        <mc:Fallback>
+        <mc:Fallback xmlns="">
           <p:sp>
             <p:nvSpPr>
               <p:cNvPr id="5" name="TextBox 4">
@@ -19654,8 +19678,8 @@
           </a:p>
         </p:txBody>
       </p:sp>
-      <mc:AlternateContent xmlns:mc="http://schemas.openxmlformats.org/markup-compatibility/2006">
-        <mc:Choice xmlns:a14="http://schemas.microsoft.com/office/drawing/2010/main" Requires="a14">
+      <mc:AlternateContent xmlns:mc="http://schemas.openxmlformats.org/markup-compatibility/2006" xmlns:a14="http://schemas.microsoft.com/office/drawing/2010/main">
+        <mc:Choice Requires="a14">
           <p:sp>
             <p:nvSpPr>
               <p:cNvPr id="9" name="TextBox 8">
@@ -19684,6 +19708,7 @@
               </a:bodyPr>
               <a:lstStyle/>
               <a:p>
+                <a:pPr/>
                 <a14:m>
                   <m:oMathPara xmlns:m="http://schemas.openxmlformats.org/officeDocument/2006/math">
                     <m:oMathParaPr>
@@ -19704,7 +19729,7 @@
             </p:txBody>
           </p:sp>
         </mc:Choice>
-        <mc:Fallback>
+        <mc:Fallback xmlns="">
           <p:sp>
             <p:nvSpPr>
               <p:cNvPr id="9" name="TextBox 8">
@@ -19801,8 +19826,8 @@
           </a:p>
         </p:txBody>
       </p:sp>
-      <mc:AlternateContent xmlns:mc="http://schemas.openxmlformats.org/markup-compatibility/2006">
-        <mc:Choice xmlns:a14="http://schemas.microsoft.com/office/drawing/2010/main" Requires="a14">
+      <mc:AlternateContent xmlns:mc="http://schemas.openxmlformats.org/markup-compatibility/2006" xmlns:a14="http://schemas.microsoft.com/office/drawing/2010/main">
+        <mc:Choice Requires="a14">
           <p:sp>
             <p:nvSpPr>
               <p:cNvPr id="11" name="TextBox 10">
@@ -19831,6 +19856,7 @@
               </a:bodyPr>
               <a:lstStyle/>
               <a:p>
+                <a:pPr/>
                 <a14:m>
                   <m:oMathPara xmlns:m="http://schemas.openxmlformats.org/officeDocument/2006/math">
                     <m:oMathParaPr>
@@ -19851,7 +19877,7 @@
             </p:txBody>
           </p:sp>
         </mc:Choice>
-        <mc:Fallback>
+        <mc:Fallback xmlns="">
           <p:sp>
             <p:nvSpPr>
               <p:cNvPr id="11" name="TextBox 10">
@@ -19896,8 +19922,8 @@
           </p:sp>
         </mc:Fallback>
       </mc:AlternateContent>
-      <mc:AlternateContent xmlns:mc="http://schemas.openxmlformats.org/markup-compatibility/2006">
-        <mc:Choice xmlns:a14="http://schemas.microsoft.com/office/drawing/2010/main" Requires="a14">
+      <mc:AlternateContent xmlns:mc="http://schemas.openxmlformats.org/markup-compatibility/2006" xmlns:a14="http://schemas.microsoft.com/office/drawing/2010/main">
+        <mc:Choice Requires="a14">
           <p:sp>
             <p:nvSpPr>
               <p:cNvPr id="4" name="Rounded Rectangle 3">
@@ -20287,7 +20313,7 @@
             </p:txBody>
           </p:sp>
         </mc:Choice>
-        <mc:Fallback>
+        <mc:Fallback xmlns="">
           <p:sp>
             <p:nvSpPr>
               <p:cNvPr id="4" name="Rounded Rectangle 3">
@@ -20396,8 +20422,8 @@
           </a:p>
         </p:txBody>
       </p:sp>
-      <mc:AlternateContent xmlns:mc="http://schemas.openxmlformats.org/markup-compatibility/2006">
-        <mc:Choice xmlns:a14="http://schemas.microsoft.com/office/drawing/2010/main" Requires="a14">
+      <mc:AlternateContent xmlns:mc="http://schemas.openxmlformats.org/markup-compatibility/2006" xmlns:a14="http://schemas.microsoft.com/office/drawing/2010/main">
+        <mc:Choice Requires="a14">
           <p:sp>
             <p:nvSpPr>
               <p:cNvPr id="6" name="Content Placeholder 2">
@@ -20703,7 +20729,7 @@
             </p:txBody>
           </p:sp>
         </mc:Choice>
-        <mc:Fallback>
+        <mc:Fallback xmlns="">
           <p:sp>
             <p:nvSpPr>
               <p:cNvPr id="6" name="Content Placeholder 2">
@@ -20799,8 +20825,8 @@
           </a:p>
         </p:txBody>
       </p:sp>
-      <mc:AlternateContent xmlns:mc="http://schemas.openxmlformats.org/markup-compatibility/2006">
-        <mc:Choice xmlns:a14="http://schemas.microsoft.com/office/drawing/2010/main" Requires="a14">
+      <mc:AlternateContent xmlns:mc="http://schemas.openxmlformats.org/markup-compatibility/2006" xmlns:a14="http://schemas.microsoft.com/office/drawing/2010/main">
+        <mc:Choice Requires="a14">
           <p:sp>
             <p:nvSpPr>
               <p:cNvPr id="5" name="TextBox 4">
@@ -20829,6 +20855,7 @@
               </a:bodyPr>
               <a:lstStyle/>
               <a:p>
+                <a:pPr/>
                 <a14:m>
                   <m:oMathPara xmlns:m="http://schemas.openxmlformats.org/officeDocument/2006/math">
                     <m:oMathParaPr>
@@ -20849,7 +20876,7 @@
             </p:txBody>
           </p:sp>
         </mc:Choice>
-        <mc:Fallback>
+        <mc:Fallback xmlns="">
           <p:sp>
             <p:nvSpPr>
               <p:cNvPr id="5" name="TextBox 4">
@@ -20951,8 +20978,8 @@
           </a:p>
         </p:txBody>
       </p:sp>
-      <mc:AlternateContent xmlns:mc="http://schemas.openxmlformats.org/markup-compatibility/2006">
-        <mc:Choice xmlns:a14="http://schemas.microsoft.com/office/drawing/2010/main" Requires="a14">
+      <mc:AlternateContent xmlns:mc="http://schemas.openxmlformats.org/markup-compatibility/2006" xmlns:a14="http://schemas.microsoft.com/office/drawing/2010/main">
+        <mc:Choice Requires="a14">
           <p:sp>
             <p:nvSpPr>
               <p:cNvPr id="9" name="TextBox 8">
@@ -20981,6 +21008,7 @@
               </a:bodyPr>
               <a:lstStyle/>
               <a:p>
+                <a:pPr/>
                 <a14:m>
                   <m:oMathPara xmlns:m="http://schemas.openxmlformats.org/officeDocument/2006/math">
                     <m:oMathParaPr>
@@ -21001,7 +21029,7 @@
             </p:txBody>
           </p:sp>
         </mc:Choice>
-        <mc:Fallback>
+        <mc:Fallback xmlns="">
           <p:sp>
             <p:nvSpPr>
               <p:cNvPr id="9" name="TextBox 8">
@@ -21098,8 +21126,8 @@
           </a:p>
         </p:txBody>
       </p:sp>
-      <mc:AlternateContent xmlns:mc="http://schemas.openxmlformats.org/markup-compatibility/2006">
-        <mc:Choice xmlns:a14="http://schemas.microsoft.com/office/drawing/2010/main" Requires="a14">
+      <mc:AlternateContent xmlns:mc="http://schemas.openxmlformats.org/markup-compatibility/2006" xmlns:a14="http://schemas.microsoft.com/office/drawing/2010/main">
+        <mc:Choice Requires="a14">
           <p:sp>
             <p:nvSpPr>
               <p:cNvPr id="11" name="TextBox 10">
@@ -21128,6 +21156,7 @@
               </a:bodyPr>
               <a:lstStyle/>
               <a:p>
+                <a:pPr/>
                 <a14:m>
                   <m:oMathPara xmlns:m="http://schemas.openxmlformats.org/officeDocument/2006/math">
                     <m:oMathParaPr>
@@ -21148,7 +21177,7 @@
             </p:txBody>
           </p:sp>
         </mc:Choice>
-        <mc:Fallback>
+        <mc:Fallback xmlns="">
           <p:sp>
             <p:nvSpPr>
               <p:cNvPr id="11" name="TextBox 10">
@@ -21370,8 +21399,8 @@
           </a:p>
         </p:txBody>
       </p:sp>
-      <mc:AlternateContent xmlns:mc="http://schemas.openxmlformats.org/markup-compatibility/2006">
-        <mc:Choice xmlns:a14="http://schemas.microsoft.com/office/drawing/2010/main" Requires="a14">
+      <mc:AlternateContent xmlns:mc="http://schemas.openxmlformats.org/markup-compatibility/2006" xmlns:a14="http://schemas.microsoft.com/office/drawing/2010/main">
+        <mc:Choice Requires="a14">
           <p:sp>
             <p:nvSpPr>
               <p:cNvPr id="6" name="Content Placeholder 2">
@@ -21677,7 +21706,7 @@
             </p:txBody>
           </p:sp>
         </mc:Choice>
-        <mc:Fallback>
+        <mc:Fallback xmlns="">
           <p:sp>
             <p:nvSpPr>
               <p:cNvPr id="6" name="Content Placeholder 2">
@@ -21773,8 +21802,8 @@
           </a:p>
         </p:txBody>
       </p:sp>
-      <mc:AlternateContent xmlns:mc="http://schemas.openxmlformats.org/markup-compatibility/2006">
-        <mc:Choice xmlns:a14="http://schemas.microsoft.com/office/drawing/2010/main" Requires="a14">
+      <mc:AlternateContent xmlns:mc="http://schemas.openxmlformats.org/markup-compatibility/2006" xmlns:a14="http://schemas.microsoft.com/office/drawing/2010/main">
+        <mc:Choice Requires="a14">
           <p:sp>
             <p:nvSpPr>
               <p:cNvPr id="5" name="TextBox 4">
@@ -21803,6 +21832,7 @@
               </a:bodyPr>
               <a:lstStyle/>
               <a:p>
+                <a:pPr/>
                 <a14:m>
                   <m:oMathPara xmlns:m="http://schemas.openxmlformats.org/officeDocument/2006/math">
                     <m:oMathParaPr>
@@ -21823,7 +21853,7 @@
             </p:txBody>
           </p:sp>
         </mc:Choice>
-        <mc:Fallback>
+        <mc:Fallback xmlns="">
           <p:sp>
             <p:nvSpPr>
               <p:cNvPr id="5" name="TextBox 4">
@@ -21925,8 +21955,8 @@
           </a:p>
         </p:txBody>
       </p:sp>
-      <mc:AlternateContent xmlns:mc="http://schemas.openxmlformats.org/markup-compatibility/2006">
-        <mc:Choice xmlns:a14="http://schemas.microsoft.com/office/drawing/2010/main" Requires="a14">
+      <mc:AlternateContent xmlns:mc="http://schemas.openxmlformats.org/markup-compatibility/2006" xmlns:a14="http://schemas.microsoft.com/office/drawing/2010/main">
+        <mc:Choice Requires="a14">
           <p:sp>
             <p:nvSpPr>
               <p:cNvPr id="9" name="TextBox 8">
@@ -21955,6 +21985,7 @@
               </a:bodyPr>
               <a:lstStyle/>
               <a:p>
+                <a:pPr/>
                 <a14:m>
                   <m:oMathPara xmlns:m="http://schemas.openxmlformats.org/officeDocument/2006/math">
                     <m:oMathParaPr>
@@ -21975,7 +22006,7 @@
             </p:txBody>
           </p:sp>
         </mc:Choice>
-        <mc:Fallback>
+        <mc:Fallback xmlns="">
           <p:sp>
             <p:nvSpPr>
               <p:cNvPr id="9" name="TextBox 8">
@@ -22072,8 +22103,8 @@
           </a:p>
         </p:txBody>
       </p:sp>
-      <mc:AlternateContent xmlns:mc="http://schemas.openxmlformats.org/markup-compatibility/2006">
-        <mc:Choice xmlns:a14="http://schemas.microsoft.com/office/drawing/2010/main" Requires="a14">
+      <mc:AlternateContent xmlns:mc="http://schemas.openxmlformats.org/markup-compatibility/2006" xmlns:a14="http://schemas.microsoft.com/office/drawing/2010/main">
+        <mc:Choice Requires="a14">
           <p:sp>
             <p:nvSpPr>
               <p:cNvPr id="11" name="TextBox 10">
@@ -22102,6 +22133,7 @@
               </a:bodyPr>
               <a:lstStyle/>
               <a:p>
+                <a:pPr/>
                 <a14:m>
                   <m:oMathPara xmlns:m="http://schemas.openxmlformats.org/officeDocument/2006/math">
                     <m:oMathParaPr>
@@ -22122,7 +22154,7 @@
             </p:txBody>
           </p:sp>
         </mc:Choice>
-        <mc:Fallback>
+        <mc:Fallback xmlns="">
           <p:sp>
             <p:nvSpPr>
               <p:cNvPr id="11" name="TextBox 10">
@@ -22280,8 +22312,8 @@
           </a:p>
         </p:txBody>
       </p:sp>
-      <mc:AlternateContent xmlns:mc="http://schemas.openxmlformats.org/markup-compatibility/2006">
-        <mc:Choice xmlns:a14="http://schemas.microsoft.com/office/drawing/2010/main" Requires="a14">
+      <mc:AlternateContent xmlns:mc="http://schemas.openxmlformats.org/markup-compatibility/2006" xmlns:a14="http://schemas.microsoft.com/office/drawing/2010/main">
+        <mc:Choice Requires="a14">
           <p:sp>
             <p:nvSpPr>
               <p:cNvPr id="4" name="Rounded Rectangle 3">
@@ -22401,7 +22433,7 @@
             </p:txBody>
           </p:sp>
         </mc:Choice>
-        <mc:Fallback>
+        <mc:Fallback xmlns="">
           <p:sp>
             <p:nvSpPr>
               <p:cNvPr id="4" name="Rounded Rectangle 3">
@@ -22510,8 +22542,8 @@
           </a:p>
         </p:txBody>
       </p:sp>
-      <mc:AlternateContent xmlns:mc="http://schemas.openxmlformats.org/markup-compatibility/2006">
-        <mc:Choice xmlns:a14="http://schemas.microsoft.com/office/drawing/2010/main" Requires="a14">
+      <mc:AlternateContent xmlns:mc="http://schemas.openxmlformats.org/markup-compatibility/2006" xmlns:a14="http://schemas.microsoft.com/office/drawing/2010/main">
+        <mc:Choice Requires="a14">
           <p:sp>
             <p:nvSpPr>
               <p:cNvPr id="6" name="Content Placeholder 2">
@@ -23014,7 +23046,7 @@
             </p:txBody>
           </p:sp>
         </mc:Choice>
-        <mc:Fallback>
+        <mc:Fallback xmlns="">
           <p:sp>
             <p:nvSpPr>
               <p:cNvPr id="6" name="Content Placeholder 2">
@@ -23058,8 +23090,8 @@
           </p:sp>
         </mc:Fallback>
       </mc:AlternateContent>
-      <mc:AlternateContent xmlns:mc="http://schemas.openxmlformats.org/markup-compatibility/2006">
-        <mc:Choice xmlns:a14="http://schemas.microsoft.com/office/drawing/2010/main" Requires="a14">
+      <mc:AlternateContent xmlns:mc="http://schemas.openxmlformats.org/markup-compatibility/2006" xmlns:a14="http://schemas.microsoft.com/office/drawing/2010/main">
+        <mc:Choice Requires="a14">
           <p:sp>
             <p:nvSpPr>
               <p:cNvPr id="12" name="Rounded Rectangle 11">
@@ -23142,7 +23174,7 @@
             </p:txBody>
           </p:sp>
         </mc:Choice>
-        <mc:Fallback>
+        <mc:Fallback xmlns="">
           <p:sp>
             <p:nvSpPr>
               <p:cNvPr id="12" name="Rounded Rectangle 11">
@@ -23251,8 +23283,8 @@
           </a:p>
         </p:txBody>
       </p:sp>
-      <mc:AlternateContent xmlns:mc="http://schemas.openxmlformats.org/markup-compatibility/2006">
-        <mc:Choice xmlns:a14="http://schemas.microsoft.com/office/drawing/2010/main" Requires="a14">
+      <mc:AlternateContent xmlns:mc="http://schemas.openxmlformats.org/markup-compatibility/2006" xmlns:a14="http://schemas.microsoft.com/office/drawing/2010/main">
+        <mc:Choice Requires="a14">
           <p:sp>
             <p:nvSpPr>
               <p:cNvPr id="6" name="Content Placeholder 2">
@@ -23558,7 +23590,7 @@
             </p:txBody>
           </p:sp>
         </mc:Choice>
-        <mc:Fallback>
+        <mc:Fallback xmlns="">
           <p:sp>
             <p:nvSpPr>
               <p:cNvPr id="6" name="Content Placeholder 2">
@@ -23654,8 +23686,8 @@
           </a:p>
         </p:txBody>
       </p:sp>
-      <mc:AlternateContent xmlns:mc="http://schemas.openxmlformats.org/markup-compatibility/2006">
-        <mc:Choice xmlns:a14="http://schemas.microsoft.com/office/drawing/2010/main" Requires="a14">
+      <mc:AlternateContent xmlns:mc="http://schemas.openxmlformats.org/markup-compatibility/2006" xmlns:a14="http://schemas.microsoft.com/office/drawing/2010/main">
+        <mc:Choice Requires="a14">
           <p:sp>
             <p:nvSpPr>
               <p:cNvPr id="5" name="TextBox 4">
@@ -23684,6 +23716,7 @@
               </a:bodyPr>
               <a:lstStyle/>
               <a:p>
+                <a:pPr/>
                 <a14:m>
                   <m:oMathPara xmlns:m="http://schemas.openxmlformats.org/officeDocument/2006/math">
                     <m:oMathParaPr>
@@ -23704,7 +23737,7 @@
             </p:txBody>
           </p:sp>
         </mc:Choice>
-        <mc:Fallback>
+        <mc:Fallback xmlns="">
           <p:sp>
             <p:nvSpPr>
               <p:cNvPr id="5" name="TextBox 4">
@@ -23806,8 +23839,8 @@
           </a:p>
         </p:txBody>
       </p:sp>
-      <mc:AlternateContent xmlns:mc="http://schemas.openxmlformats.org/markup-compatibility/2006">
-        <mc:Choice xmlns:a14="http://schemas.microsoft.com/office/drawing/2010/main" Requires="a14">
+      <mc:AlternateContent xmlns:mc="http://schemas.openxmlformats.org/markup-compatibility/2006" xmlns:a14="http://schemas.microsoft.com/office/drawing/2010/main">
+        <mc:Choice Requires="a14">
           <p:sp>
             <p:nvSpPr>
               <p:cNvPr id="9" name="TextBox 8">
@@ -23836,6 +23869,7 @@
               </a:bodyPr>
               <a:lstStyle/>
               <a:p>
+                <a:pPr/>
                 <a14:m>
                   <m:oMathPara xmlns:m="http://schemas.openxmlformats.org/officeDocument/2006/math">
                     <m:oMathParaPr>
@@ -23856,7 +23890,7 @@
             </p:txBody>
           </p:sp>
         </mc:Choice>
-        <mc:Fallback>
+        <mc:Fallback xmlns="">
           <p:sp>
             <p:nvSpPr>
               <p:cNvPr id="9" name="TextBox 8">
@@ -23953,8 +23987,8 @@
           </a:p>
         </p:txBody>
       </p:sp>
-      <mc:AlternateContent xmlns:mc="http://schemas.openxmlformats.org/markup-compatibility/2006">
-        <mc:Choice xmlns:a14="http://schemas.microsoft.com/office/drawing/2010/main" Requires="a14">
+      <mc:AlternateContent xmlns:mc="http://schemas.openxmlformats.org/markup-compatibility/2006" xmlns:a14="http://schemas.microsoft.com/office/drawing/2010/main">
+        <mc:Choice Requires="a14">
           <p:sp>
             <p:nvSpPr>
               <p:cNvPr id="11" name="TextBox 10">
@@ -23983,6 +24017,7 @@
               </a:bodyPr>
               <a:lstStyle/>
               <a:p>
+                <a:pPr/>
                 <a14:m>
                   <m:oMathPara xmlns:m="http://schemas.openxmlformats.org/officeDocument/2006/math">
                     <m:oMathParaPr>
@@ -24003,7 +24038,7 @@
             </p:txBody>
           </p:sp>
         </mc:Choice>
-        <mc:Fallback>
+        <mc:Fallback xmlns="">
           <p:sp>
             <p:nvSpPr>
               <p:cNvPr id="11" name="TextBox 10">
@@ -24161,8 +24196,8 @@
           </a:p>
         </p:txBody>
       </p:sp>
-      <mc:AlternateContent xmlns:mc="http://schemas.openxmlformats.org/markup-compatibility/2006">
-        <mc:Choice xmlns:a14="http://schemas.microsoft.com/office/drawing/2010/main" Requires="a14">
+      <mc:AlternateContent xmlns:mc="http://schemas.openxmlformats.org/markup-compatibility/2006" xmlns:a14="http://schemas.microsoft.com/office/drawing/2010/main">
+        <mc:Choice Requires="a14">
           <p:sp>
             <p:nvSpPr>
               <p:cNvPr id="4" name="Rounded Rectangle 3">
@@ -24752,7 +24787,7 @@
             </p:txBody>
           </p:sp>
         </mc:Choice>
-        <mc:Fallback>
+        <mc:Fallback xmlns="">
           <p:sp>
             <p:nvSpPr>
               <p:cNvPr id="4" name="Rounded Rectangle 3">
@@ -25756,8 +25791,8 @@
           </a:p>
         </p:txBody>
       </p:sp>
-      <mc:AlternateContent xmlns:mc="http://schemas.openxmlformats.org/markup-compatibility/2006">
-        <mc:Choice xmlns:a14="http://schemas.microsoft.com/office/drawing/2010/main" Requires="a14">
+      <mc:AlternateContent xmlns:mc="http://schemas.openxmlformats.org/markup-compatibility/2006" xmlns:a14="http://schemas.microsoft.com/office/drawing/2010/main">
+        <mc:Choice Requires="a14">
           <p:sp>
             <p:nvSpPr>
               <p:cNvPr id="6" name="Content Placeholder 2">
@@ -26089,7 +26124,7 @@
             </p:txBody>
           </p:sp>
         </mc:Choice>
-        <mc:Fallback>
+        <mc:Fallback xmlns="">
           <p:sp>
             <p:nvSpPr>
               <p:cNvPr id="6" name="Content Placeholder 2">
@@ -26197,8 +26232,8 @@
           </a:p>
         </p:txBody>
       </p:sp>
-      <mc:AlternateContent xmlns:mc="http://schemas.openxmlformats.org/markup-compatibility/2006">
-        <mc:Choice xmlns:a14="http://schemas.microsoft.com/office/drawing/2010/main" Requires="a14">
+      <mc:AlternateContent xmlns:mc="http://schemas.openxmlformats.org/markup-compatibility/2006" xmlns:a14="http://schemas.microsoft.com/office/drawing/2010/main">
+        <mc:Choice Requires="a14">
           <p:sp>
             <p:nvSpPr>
               <p:cNvPr id="6" name="Content Placeholder 2">
@@ -26479,7 +26514,7 @@
             </p:txBody>
           </p:sp>
         </mc:Choice>
-        <mc:Fallback>
+        <mc:Fallback xmlns="">
           <p:sp>
             <p:nvSpPr>
               <p:cNvPr id="6" name="Content Placeholder 2">
@@ -26587,8 +26622,8 @@
           </a:p>
         </p:txBody>
       </p:sp>
-      <mc:AlternateContent xmlns:mc="http://schemas.openxmlformats.org/markup-compatibility/2006">
-        <mc:Choice xmlns:a14="http://schemas.microsoft.com/office/drawing/2010/main" Requires="a14">
+      <mc:AlternateContent xmlns:mc="http://schemas.openxmlformats.org/markup-compatibility/2006" xmlns:a14="http://schemas.microsoft.com/office/drawing/2010/main">
+        <mc:Choice Requires="a14">
           <p:sp>
             <p:nvSpPr>
               <p:cNvPr id="6" name="Content Placeholder 2">
@@ -27215,7 +27250,7 @@
             </p:txBody>
           </p:sp>
         </mc:Choice>
-        <mc:Fallback>
+        <mc:Fallback xmlns="">
           <p:sp>
             <p:nvSpPr>
               <p:cNvPr id="6" name="Content Placeholder 2">
@@ -27323,8 +27358,8 @@
           </a:p>
         </p:txBody>
       </p:sp>
-      <mc:AlternateContent xmlns:mc="http://schemas.openxmlformats.org/markup-compatibility/2006">
-        <mc:Choice xmlns:a14="http://schemas.microsoft.com/office/drawing/2010/main" Requires="a14">
+      <mc:AlternateContent xmlns:mc="http://schemas.openxmlformats.org/markup-compatibility/2006" xmlns:a14="http://schemas.microsoft.com/office/drawing/2010/main">
+        <mc:Choice Requires="a14">
           <p:sp>
             <p:nvSpPr>
               <p:cNvPr id="6" name="Content Placeholder 2">
@@ -27666,7 +27701,7 @@
             </p:txBody>
           </p:sp>
         </mc:Choice>
-        <mc:Fallback>
+        <mc:Fallback xmlns="">
           <p:sp>
             <p:nvSpPr>
               <p:cNvPr id="6" name="Content Placeholder 2">
@@ -27774,8 +27809,8 @@
           </a:p>
         </p:txBody>
       </p:sp>
-      <mc:AlternateContent xmlns:mc="http://schemas.openxmlformats.org/markup-compatibility/2006">
-        <mc:Choice xmlns:a14="http://schemas.microsoft.com/office/drawing/2010/main" Requires="a14">
+      <mc:AlternateContent xmlns:mc="http://schemas.openxmlformats.org/markup-compatibility/2006" xmlns:a14="http://schemas.microsoft.com/office/drawing/2010/main">
+        <mc:Choice Requires="a14">
           <p:sp>
             <p:nvSpPr>
               <p:cNvPr id="6" name="Content Placeholder 2">
@@ -28106,7 +28141,7 @@
             </p:txBody>
           </p:sp>
         </mc:Choice>
-        <mc:Fallback>
+        <mc:Fallback xmlns="">
           <p:sp>
             <p:nvSpPr>
               <p:cNvPr id="6" name="Content Placeholder 2">

--- a/slides/07-sets.pptx
+++ b/slides/07-sets.pptx
@@ -7756,8 +7756,8 @@
           </p:sp>
         </mc:Fallback>
       </mc:AlternateContent>
-      <mc:AlternateContent xmlns:mc="http://schemas.openxmlformats.org/markup-compatibility/2006" xmlns:a14="http://schemas.microsoft.com/office/drawing/2010/main">
-        <mc:Choice Requires="a14">
+      <mc:AlternateContent xmlns:mc="http://schemas.openxmlformats.org/markup-compatibility/2006">
+        <mc:Choice xmlns:a14="http://schemas.microsoft.com/office/drawing/2010/main" Requires="a14">
           <p:sp>
             <p:nvSpPr>
               <p:cNvPr id="3" name="Rounded Rectangle 2">
@@ -7805,7 +7805,7 @@
                 </a:r>
                 <a:r>
                   <a:rPr lang="en-US" sz="2400" dirty="0"/>
-                  <a:t>: Write the set builder notation for the following sets</a:t>
+                  <a:t>: Write the elements for the following sets</a:t>
                 </a:r>
               </a:p>
               <a:p>
@@ -7949,7 +7949,19 @@
                       <a:rPr lang="en-US" sz="2400" b="0" i="1" smtClean="0">
                         <a:latin typeface="Cambria Math" panose="02040503050406030204" pitchFamily="18" charset="0"/>
                       </a:rPr>
-                      <m:t> :</m:t>
+                      <m:t>:</m:t>
+                    </m:r>
+                    <m:r>
+                      <a:rPr lang="en-US" sz="2400" b="0" i="1" smtClean="0">
+                        <a:latin typeface="Cambria Math" panose="02040503050406030204" pitchFamily="18" charset="0"/>
+                      </a:rPr>
+                      <m:t> </m:t>
+                    </m:r>
+                    <m:r>
+                      <a:rPr lang="en-US" sz="2400" b="0" i="1" smtClean="0">
+                        <a:latin typeface="Cambria Math" panose="02040503050406030204" pitchFamily="18" charset="0"/>
+                      </a:rPr>
+                      <m:t>|</m:t>
                     </m:r>
                     <m:r>
                       <a:rPr lang="en-US" sz="2400" b="0" i="1" smtClean="0">
@@ -7961,6 +7973,12 @@
                       <a:rPr lang="en-US" sz="2400" b="0" i="1" smtClean="0">
                         <a:latin typeface="Cambria Math" panose="02040503050406030204" pitchFamily="18" charset="0"/>
                       </a:rPr>
+                      <m:t>|</m:t>
+                    </m:r>
+                    <m:r>
+                      <a:rPr lang="en-US" sz="2400" b="0" i="1" smtClean="0">
+                        <a:latin typeface="Cambria Math" panose="02040503050406030204" pitchFamily="18" charset="0"/>
+                      </a:rPr>
                       <m:t>∈</m:t>
                     </m:r>
                     <m:r>
@@ -7973,13 +7991,19 @@
                       <a:rPr lang="en-US" sz="2400" b="0" i="1" smtClean="0">
                         <a:latin typeface="Cambria Math" panose="02040503050406030204" pitchFamily="18" charset="0"/>
                       </a:rPr>
-                      <m:t>∨−</m:t>
+                      <m:t>∨|−</m:t>
                     </m:r>
                     <m:r>
                       <a:rPr lang="en-US" sz="2400" b="0" i="1" smtClean="0">
                         <a:latin typeface="Cambria Math" panose="02040503050406030204" pitchFamily="18" charset="0"/>
                       </a:rPr>
                       <m:t>𝑥</m:t>
+                    </m:r>
+                    <m:r>
+                      <a:rPr lang="en-US" sz="2400" b="0" i="1" smtClean="0">
+                        <a:latin typeface="Cambria Math" panose="02040503050406030204" pitchFamily="18" charset="0"/>
+                      </a:rPr>
+                      <m:t>|</m:t>
                     </m:r>
                     <m:r>
                       <a:rPr lang="en-US" sz="2400" b="0" i="1" smtClean="0">
@@ -8078,7 +8102,7 @@
             </p:txBody>
           </p:sp>
         </mc:Choice>
-        <mc:Fallback xmlns="">
+        <mc:Fallback>
           <p:sp>
             <p:nvSpPr>
               <p:cNvPr id="3" name="Rounded Rectangle 2">
@@ -8637,7 +8661,7 @@
             </a:r>
             <a:r>
               <a:rPr lang="en-US" sz="2400" dirty="0"/>
-              <a:t>: List the elements or describe the following sets</a:t>
+              <a:t>: Write the following in set builder notation </a:t>
             </a:r>
           </a:p>
           <a:p>
